--- a/训练情况/amcnn.pptx
+++ b/训练情况/amcnn.pptx
@@ -203,7 +203,7 @@
           <a:p>
             <a:fld id="{F974C66B-5635-4ADB-84D2-921231E0A1F3}" type="datetimeFigureOut">
               <a:rPr lang="zh-CN" altLang="en-US" smtClean="0"/>
-              <a:t>2023-08-01</a:t>
+              <a:t>2023-09-21</a:t>
             </a:fld>
             <a:endParaRPr lang="zh-CN" altLang="en-US"/>
           </a:p>
@@ -763,7 +763,7 @@
           <a:p>
             <a:fld id="{2E3DC2B2-BEE8-4B42-B423-2DA4725CD18A}" type="datetimeFigureOut">
               <a:rPr lang="zh-CN" altLang="en-US" smtClean="0"/>
-              <a:t>2023-08-01</a:t>
+              <a:t>2023-09-21</a:t>
             </a:fld>
             <a:endParaRPr lang="zh-CN" altLang="en-US"/>
           </a:p>
@@ -961,7 +961,7 @@
           <a:p>
             <a:fld id="{2E3DC2B2-BEE8-4B42-B423-2DA4725CD18A}" type="datetimeFigureOut">
               <a:rPr lang="zh-CN" altLang="en-US" smtClean="0"/>
-              <a:t>2023-08-01</a:t>
+              <a:t>2023-09-21</a:t>
             </a:fld>
             <a:endParaRPr lang="zh-CN" altLang="en-US"/>
           </a:p>
@@ -1169,7 +1169,7 @@
           <a:p>
             <a:fld id="{2E3DC2B2-BEE8-4B42-B423-2DA4725CD18A}" type="datetimeFigureOut">
               <a:rPr lang="zh-CN" altLang="en-US" smtClean="0"/>
-              <a:t>2023-08-01</a:t>
+              <a:t>2023-09-21</a:t>
             </a:fld>
             <a:endParaRPr lang="zh-CN" altLang="en-US"/>
           </a:p>
@@ -1367,7 +1367,7 @@
           <a:p>
             <a:fld id="{2E3DC2B2-BEE8-4B42-B423-2DA4725CD18A}" type="datetimeFigureOut">
               <a:rPr lang="zh-CN" altLang="en-US" smtClean="0"/>
-              <a:t>2023-08-01</a:t>
+              <a:t>2023-09-21</a:t>
             </a:fld>
             <a:endParaRPr lang="zh-CN" altLang="en-US"/>
           </a:p>
@@ -1642,7 +1642,7 @@
           <a:p>
             <a:fld id="{2E3DC2B2-BEE8-4B42-B423-2DA4725CD18A}" type="datetimeFigureOut">
               <a:rPr lang="zh-CN" altLang="en-US" smtClean="0"/>
-              <a:t>2023-08-01</a:t>
+              <a:t>2023-09-21</a:t>
             </a:fld>
             <a:endParaRPr lang="zh-CN" altLang="en-US"/>
           </a:p>
@@ -1907,7 +1907,7 @@
           <a:p>
             <a:fld id="{2E3DC2B2-BEE8-4B42-B423-2DA4725CD18A}" type="datetimeFigureOut">
               <a:rPr lang="zh-CN" altLang="en-US" smtClean="0"/>
-              <a:t>2023-08-01</a:t>
+              <a:t>2023-09-21</a:t>
             </a:fld>
             <a:endParaRPr lang="zh-CN" altLang="en-US"/>
           </a:p>
@@ -2319,7 +2319,7 @@
           <a:p>
             <a:fld id="{2E3DC2B2-BEE8-4B42-B423-2DA4725CD18A}" type="datetimeFigureOut">
               <a:rPr lang="zh-CN" altLang="en-US" smtClean="0"/>
-              <a:t>2023-08-01</a:t>
+              <a:t>2023-09-21</a:t>
             </a:fld>
             <a:endParaRPr lang="zh-CN" altLang="en-US"/>
           </a:p>
@@ -2460,7 +2460,7 @@
           <a:p>
             <a:fld id="{2E3DC2B2-BEE8-4B42-B423-2DA4725CD18A}" type="datetimeFigureOut">
               <a:rPr lang="zh-CN" altLang="en-US" smtClean="0"/>
-              <a:t>2023-08-01</a:t>
+              <a:t>2023-09-21</a:t>
             </a:fld>
             <a:endParaRPr lang="zh-CN" altLang="en-US"/>
           </a:p>
@@ -2573,7 +2573,7 @@
           <a:p>
             <a:fld id="{2E3DC2B2-BEE8-4B42-B423-2DA4725CD18A}" type="datetimeFigureOut">
               <a:rPr lang="zh-CN" altLang="en-US" smtClean="0"/>
-              <a:t>2023-08-01</a:t>
+              <a:t>2023-09-21</a:t>
             </a:fld>
             <a:endParaRPr lang="zh-CN" altLang="en-US"/>
           </a:p>
@@ -2884,7 +2884,7 @@
           <a:p>
             <a:fld id="{2E3DC2B2-BEE8-4B42-B423-2DA4725CD18A}" type="datetimeFigureOut">
               <a:rPr lang="zh-CN" altLang="en-US" smtClean="0"/>
-              <a:t>2023-08-01</a:t>
+              <a:t>2023-09-21</a:t>
             </a:fld>
             <a:endParaRPr lang="zh-CN" altLang="en-US"/>
           </a:p>
@@ -3172,7 +3172,7 @@
           <a:p>
             <a:fld id="{2E3DC2B2-BEE8-4B42-B423-2DA4725CD18A}" type="datetimeFigureOut">
               <a:rPr lang="zh-CN" altLang="en-US" smtClean="0"/>
-              <a:t>2023-08-01</a:t>
+              <a:t>2023-09-21</a:t>
             </a:fld>
             <a:endParaRPr lang="zh-CN" altLang="en-US"/>
           </a:p>
@@ -3413,7 +3413,7 @@
           <a:p>
             <a:fld id="{2E3DC2B2-BEE8-4B42-B423-2DA4725CD18A}" type="datetimeFigureOut">
               <a:rPr lang="zh-CN" altLang="en-US" smtClean="0"/>
-              <a:t>2023-08-01</a:t>
+              <a:t>2023-09-21</a:t>
             </a:fld>
             <a:endParaRPr lang="zh-CN" altLang="en-US"/>
           </a:p>
@@ -4194,7 +4194,7 @@
         </p:nvGrpSpPr>
         <p:grpSpPr>
           <a:xfrm>
-            <a:off x="3409249" y="603467"/>
+            <a:off x="2965028" y="2690397"/>
             <a:ext cx="5539442" cy="4971710"/>
             <a:chOff x="2993718" y="253059"/>
             <a:chExt cx="6370504" cy="5672526"/>
@@ -14527,6 +14527,288 @@
           </p:style>
         </p:cxnSp>
       </p:grpSp>
+      <p:pic>
+        <p:nvPicPr>
+          <p:cNvPr id="10" name="图形 9">
+            <a:extLst>
+              <a:ext uri="{FF2B5EF4-FFF2-40B4-BE49-F238E27FC236}">
+                <a16:creationId xmlns:a16="http://schemas.microsoft.com/office/drawing/2014/main" id="{554773E1-A3EE-D952-CC97-522108A558BA}"/>
+              </a:ext>
+            </a:extLst>
+          </p:cNvPr>
+          <p:cNvPicPr>
+            <a:picLocks noChangeAspect="1"/>
+          </p:cNvPicPr>
+          <p:nvPr/>
+        </p:nvPicPr>
+        <p:blipFill rotWithShape="1">
+          <a:blip r:embed="rId3">
+            <a:extLst>
+              <a:ext uri="{28A0092B-C50C-407E-A947-70E740481C1C}">
+                <a14:useLocalDpi xmlns:a14="http://schemas.microsoft.com/office/drawing/2010/main" val="0"/>
+              </a:ext>
+              <a:ext uri="{96DAC541-7B7A-43D3-8B79-37D633B846F1}">
+                <asvg:svgBlip xmlns:asvg="http://schemas.microsoft.com/office/drawing/2016/SVG/main" r:embed="rId4"/>
+              </a:ext>
+            </a:extLst>
+          </a:blip>
+          <a:srcRect l="6777" t="14622" r="10126" b="5967"/>
+          <a:stretch/>
+        </p:blipFill>
+        <p:spPr>
+          <a:xfrm>
+            <a:off x="2603385" y="160868"/>
+            <a:ext cx="4160796" cy="2385752"/>
+          </a:xfrm>
+          <a:prstGeom prst="rect">
+            <a:avLst/>
+          </a:prstGeom>
+        </p:spPr>
+      </p:pic>
+      <p:cxnSp>
+        <p:nvCxnSpPr>
+          <p:cNvPr id="12" name="直接连接符 11">
+            <a:extLst>
+              <a:ext uri="{FF2B5EF4-FFF2-40B4-BE49-F238E27FC236}">
+                <a16:creationId xmlns:a16="http://schemas.microsoft.com/office/drawing/2014/main" id="{98D7D5C2-D0FD-911D-8AF9-587D08E90E4D}"/>
+              </a:ext>
+            </a:extLst>
+          </p:cNvPr>
+          <p:cNvCxnSpPr>
+            <a:cxnSpLocks/>
+          </p:cNvCxnSpPr>
+          <p:nvPr/>
+        </p:nvCxnSpPr>
+        <p:spPr>
+          <a:xfrm>
+            <a:off x="4400949" y="160868"/>
+            <a:ext cx="0" cy="2228609"/>
+          </a:xfrm>
+          <a:prstGeom prst="line">
+            <a:avLst/>
+          </a:prstGeom>
+          <a:ln w="19050">
+            <a:solidFill>
+              <a:schemeClr val="tx1"/>
+            </a:solidFill>
+            <a:prstDash val="sysDot"/>
+          </a:ln>
+        </p:spPr>
+        <p:style>
+          <a:lnRef idx="1">
+            <a:schemeClr val="accent1"/>
+          </a:lnRef>
+          <a:fillRef idx="0">
+            <a:schemeClr val="accent1"/>
+          </a:fillRef>
+          <a:effectRef idx="0">
+            <a:schemeClr val="accent1"/>
+          </a:effectRef>
+          <a:fontRef idx="minor">
+            <a:schemeClr val="tx1"/>
+          </a:fontRef>
+        </p:style>
+      </p:cxnSp>
+      <p:cxnSp>
+        <p:nvCxnSpPr>
+          <p:cNvPr id="13" name="直接连接符 12">
+            <a:extLst>
+              <a:ext uri="{FF2B5EF4-FFF2-40B4-BE49-F238E27FC236}">
+                <a16:creationId xmlns:a16="http://schemas.microsoft.com/office/drawing/2014/main" id="{E950253B-6EE6-942A-E955-3ABB3AEEF523}"/>
+              </a:ext>
+            </a:extLst>
+          </p:cNvPr>
+          <p:cNvCxnSpPr>
+            <a:cxnSpLocks/>
+          </p:cNvCxnSpPr>
+          <p:nvPr/>
+        </p:nvCxnSpPr>
+        <p:spPr>
+          <a:xfrm>
+            <a:off x="5544534" y="160868"/>
+            <a:ext cx="0" cy="2222513"/>
+          </a:xfrm>
+          <a:prstGeom prst="line">
+            <a:avLst/>
+          </a:prstGeom>
+          <a:ln w="19050">
+            <a:solidFill>
+              <a:schemeClr val="tx1"/>
+            </a:solidFill>
+            <a:prstDash val="sysDot"/>
+          </a:ln>
+        </p:spPr>
+        <p:style>
+          <a:lnRef idx="1">
+            <a:schemeClr val="accent1"/>
+          </a:lnRef>
+          <a:fillRef idx="0">
+            <a:schemeClr val="accent1"/>
+          </a:fillRef>
+          <a:effectRef idx="0">
+            <a:schemeClr val="accent1"/>
+          </a:effectRef>
+          <a:fontRef idx="minor">
+            <a:schemeClr val="tx1"/>
+          </a:fontRef>
+        </p:style>
+      </p:cxnSp>
+      <p:sp>
+        <p:nvSpPr>
+          <p:cNvPr id="22" name="箭头: 下 21">
+            <a:extLst>
+              <a:ext uri="{FF2B5EF4-FFF2-40B4-BE49-F238E27FC236}">
+                <a16:creationId xmlns:a16="http://schemas.microsoft.com/office/drawing/2014/main" id="{A801E4AD-A0C0-0A07-207E-B182A6FA881A}"/>
+              </a:ext>
+            </a:extLst>
+          </p:cNvPr>
+          <p:cNvSpPr/>
+          <p:nvPr/>
+        </p:nvSpPr>
+        <p:spPr>
+          <a:xfrm rot="1287240">
+            <a:off x="3263848" y="2450226"/>
+            <a:ext cx="114517" cy="243372"/>
+          </a:xfrm>
+          <a:prstGeom prst="downArrow">
+            <a:avLst/>
+          </a:prstGeom>
+          <a:solidFill>
+            <a:srgbClr val="3DBEFF"/>
+          </a:solidFill>
+          <a:ln>
+            <a:noFill/>
+          </a:ln>
+        </p:spPr>
+        <p:style>
+          <a:lnRef idx="2">
+            <a:schemeClr val="accent1">
+              <a:shade val="15000"/>
+            </a:schemeClr>
+          </a:lnRef>
+          <a:fillRef idx="1">
+            <a:schemeClr val="accent1"/>
+          </a:fillRef>
+          <a:effectRef idx="0">
+            <a:schemeClr val="accent1"/>
+          </a:effectRef>
+          <a:fontRef idx="minor">
+            <a:schemeClr val="lt1"/>
+          </a:fontRef>
+        </p:style>
+        <p:txBody>
+          <a:bodyPr rtlCol="0" anchor="ctr"/>
+          <a:lstStyle/>
+          <a:p>
+            <a:pPr algn="ctr"/>
+            <a:endParaRPr lang="zh-CN" altLang="en-US"/>
+          </a:p>
+        </p:txBody>
+      </p:sp>
+      <p:sp>
+        <p:nvSpPr>
+          <p:cNvPr id="23" name="箭头: 下 22">
+            <a:extLst>
+              <a:ext uri="{FF2B5EF4-FFF2-40B4-BE49-F238E27FC236}">
+                <a16:creationId xmlns:a16="http://schemas.microsoft.com/office/drawing/2014/main" id="{89150EEE-310D-CFEC-FD6E-74A1463B930E}"/>
+              </a:ext>
+            </a:extLst>
+          </p:cNvPr>
+          <p:cNvSpPr/>
+          <p:nvPr/>
+        </p:nvSpPr>
+        <p:spPr>
+          <a:xfrm>
+            <a:off x="4633008" y="2430506"/>
+            <a:ext cx="114517" cy="243372"/>
+          </a:xfrm>
+          <a:prstGeom prst="downArrow">
+            <a:avLst/>
+          </a:prstGeom>
+          <a:solidFill>
+            <a:srgbClr val="3DBEFF"/>
+          </a:solidFill>
+          <a:ln>
+            <a:noFill/>
+          </a:ln>
+        </p:spPr>
+        <p:style>
+          <a:lnRef idx="2">
+            <a:schemeClr val="accent1">
+              <a:shade val="15000"/>
+            </a:schemeClr>
+          </a:lnRef>
+          <a:fillRef idx="1">
+            <a:schemeClr val="accent1"/>
+          </a:fillRef>
+          <a:effectRef idx="0">
+            <a:schemeClr val="accent1"/>
+          </a:effectRef>
+          <a:fontRef idx="minor">
+            <a:schemeClr val="lt1"/>
+          </a:fontRef>
+        </p:style>
+        <p:txBody>
+          <a:bodyPr rtlCol="0" anchor="ctr"/>
+          <a:lstStyle/>
+          <a:p>
+            <a:pPr algn="ctr"/>
+            <a:endParaRPr lang="zh-CN" altLang="en-US"/>
+          </a:p>
+        </p:txBody>
+      </p:sp>
+      <p:sp>
+        <p:nvSpPr>
+          <p:cNvPr id="24" name="箭头: 下 23">
+            <a:extLst>
+              <a:ext uri="{FF2B5EF4-FFF2-40B4-BE49-F238E27FC236}">
+                <a16:creationId xmlns:a16="http://schemas.microsoft.com/office/drawing/2014/main" id="{CDBEA564-AAC2-F76B-07BC-CFC59783A2AF}"/>
+              </a:ext>
+            </a:extLst>
+          </p:cNvPr>
+          <p:cNvSpPr/>
+          <p:nvPr/>
+        </p:nvSpPr>
+        <p:spPr>
+          <a:xfrm rot="19753996">
+            <a:off x="5869575" y="2437302"/>
+            <a:ext cx="114517" cy="243372"/>
+          </a:xfrm>
+          <a:prstGeom prst="downArrow">
+            <a:avLst/>
+          </a:prstGeom>
+          <a:solidFill>
+            <a:srgbClr val="3DBEFF"/>
+          </a:solidFill>
+          <a:ln>
+            <a:noFill/>
+          </a:ln>
+        </p:spPr>
+        <p:style>
+          <a:lnRef idx="2">
+            <a:schemeClr val="accent1">
+              <a:shade val="15000"/>
+            </a:schemeClr>
+          </a:lnRef>
+          <a:fillRef idx="1">
+            <a:schemeClr val="accent1"/>
+          </a:fillRef>
+          <a:effectRef idx="0">
+            <a:schemeClr val="accent1"/>
+          </a:effectRef>
+          <a:fontRef idx="minor">
+            <a:schemeClr val="lt1"/>
+          </a:fontRef>
+        </p:style>
+        <p:txBody>
+          <a:bodyPr rtlCol="0" anchor="ctr"/>
+          <a:lstStyle/>
+          <a:p>
+            <a:pPr algn="ctr"/>
+            <a:endParaRPr lang="zh-CN" altLang="en-US"/>
+          </a:p>
+        </p:txBody>
+      </p:sp>
     </p:spTree>
   </p:cSld>
   <p:clrMapOvr>
